--- a/Recommender_system612/week_3/presentation/Evaluating_recommender_system.pptx
+++ b/Recommender_system612/week_3/presentation/Evaluating_recommender_system.pptx
@@ -15,16 +15,17 @@
     <p:sldId id="260" r:id="rId11"/>
     <p:sldId id="261" r:id="rId12"/>
     <p:sldId id="262" r:id="rId13"/>
+    <p:sldId id="263" r:id="rId14"/>
   </p:sldIdLst>
   <p:sldSz cy="5143500" cx="9144000"/>
   <p:notesSz cx="6858000" cy="9144000"/>
   <p:embeddedFontLst>
     <p:embeddedFont>
       <p:font typeface="Roboto"/>
-      <p:regular r:id="rId14"/>
-      <p:bold r:id="rId15"/>
-      <p:italic r:id="rId16"/>
-      <p:boldItalic r:id="rId17"/>
+      <p:regular r:id="rId15"/>
+      <p:bold r:id="rId16"/>
+      <p:italic r:id="rId17"/>
+      <p:boldItalic r:id="rId18"/>
     </p:embeddedFont>
   </p:embeddedFontLst>
   <p:defaultTextStyle>
@@ -1102,7 +1103,7 @@
   <p:cSld>
     <p:spTree>
       <p:nvGrpSpPr>
-        <p:cNvPr id="108" name="Shape 108"/>
+        <p:cNvPr id="106" name="Shape 106"/>
         <p:cNvGrpSpPr/>
         <p:nvPr/>
       </p:nvGrpSpPr>
@@ -1116,7 +1117,7 @@
       </p:grpSpPr>
       <p:sp>
         <p:nvSpPr>
-          <p:cNvPr id="109" name="Google Shape;109;gc6f73a04f_0_20:notes"/>
+          <p:cNvPr id="107" name="Google Shape;107;gc6f73a04f_0_20:notes"/>
           <p:cNvSpPr/>
           <p:nvPr>
             <p:ph idx="2" type="sldImg"/>
@@ -1151,7 +1152,7 @@
       </p:sp>
       <p:sp>
         <p:nvSpPr>
-          <p:cNvPr id="110" name="Google Shape;110;gc6f73a04f_0_20:notes"/>
+          <p:cNvPr id="108" name="Google Shape;108;gc6f73a04f_0_20:notes"/>
           <p:cNvSpPr txBox="1"/>
           <p:nvPr>
             <p:ph idx="1" type="body"/>
@@ -1201,7 +1202,7 @@
   <p:cSld>
     <p:spTree>
       <p:nvGrpSpPr>
-        <p:cNvPr id="119" name="Shape 119"/>
+        <p:cNvPr id="117" name="Shape 117"/>
         <p:cNvGrpSpPr/>
         <p:nvPr/>
       </p:nvGrpSpPr>
@@ -1215,7 +1216,7 @@
       </p:grpSpPr>
       <p:sp>
         <p:nvSpPr>
-          <p:cNvPr id="120" name="Google Shape;120;g8946379ec7_0_267:notes"/>
+          <p:cNvPr id="118" name="Google Shape;118;g8946379ec7_0_267:notes"/>
           <p:cNvSpPr/>
           <p:nvPr>
             <p:ph idx="2" type="sldImg"/>
@@ -1250,7 +1251,7 @@
       </p:sp>
       <p:sp>
         <p:nvSpPr>
-          <p:cNvPr id="121" name="Google Shape;121;g8946379ec7_0_267:notes"/>
+          <p:cNvPr id="119" name="Google Shape;119;g8946379ec7_0_267:notes"/>
           <p:cNvSpPr txBox="1"/>
           <p:nvPr>
             <p:ph idx="1" type="body"/>
@@ -1300,7 +1301,7 @@
   <p:cSld>
     <p:spTree>
       <p:nvGrpSpPr>
-        <p:cNvPr id="126" name="Shape 126"/>
+        <p:cNvPr id="124" name="Shape 124"/>
         <p:cNvGrpSpPr/>
         <p:nvPr/>
       </p:nvGrpSpPr>
@@ -1314,7 +1315,7 @@
       </p:grpSpPr>
       <p:sp>
         <p:nvSpPr>
-          <p:cNvPr id="127" name="Google Shape;127;g8a797ef5bf_0_101:notes"/>
+          <p:cNvPr id="125" name="Google Shape;125;g8946379ec7_0_274:notes"/>
           <p:cNvSpPr/>
           <p:nvPr>
             <p:ph idx="2" type="sldImg"/>
@@ -1349,7 +1350,106 @@
       </p:sp>
       <p:sp>
         <p:nvSpPr>
-          <p:cNvPr id="128" name="Google Shape;128;g8a797ef5bf_0_101:notes"/>
+          <p:cNvPr id="126" name="Google Shape;126;g8946379ec7_0_274:notes"/>
+          <p:cNvSpPr txBox="1"/>
+          <p:nvPr>
+            <p:ph idx="1" type="body"/>
+          </p:nvPr>
+        </p:nvSpPr>
+        <p:spPr>
+          <a:xfrm>
+            <a:off x="685800" y="4343400"/>
+            <a:ext cx="5486400" cy="4114800"/>
+          </a:xfrm>
+          <a:prstGeom prst="rect">
+            <a:avLst/>
+          </a:prstGeom>
+        </p:spPr>
+        <p:txBody>
+          <a:bodyPr anchorCtr="0" anchor="t" bIns="91425" lIns="91425" spcFirstLastPara="1" rIns="91425" wrap="square" tIns="91425">
+            <a:noAutofit/>
+          </a:bodyPr>
+          <a:lstStyle/>
+          <a:p>
+            <a:pPr indent="0" lvl="0" marL="0" rtl="0" algn="l">
+              <a:spcBef>
+                <a:spcPts val="0"/>
+              </a:spcBef>
+              <a:spcAft>
+                <a:spcPts val="0"/>
+              </a:spcAft>
+              <a:buNone/>
+            </a:pPr>
+            <a:r>
+              <a:t/>
+            </a:r>
+            <a:endParaRPr/>
+          </a:p>
+        </p:txBody>
+      </p:sp>
+    </p:spTree>
+  </p:cSld>
+  <p:clrMapOvr>
+    <a:masterClrMapping/>
+  </p:clrMapOvr>
+</p:notes>
+</file>
+
+<file path=ppt/notesSlides/notesSlide8.xml><?xml version="1.0" encoding="utf-8"?>
+<p:notes xmlns:a="http://schemas.openxmlformats.org/drawingml/2006/main" xmlns:r="http://schemas.openxmlformats.org/officeDocument/2006/relationships" xmlns:mc="http://schemas.openxmlformats.org/markup-compatibility/2006" xmlns:mv="urn:schemas-microsoft-com:mac:vml" xmlns:p="http://schemas.openxmlformats.org/presentationml/2006/main" xmlns:c="http://schemas.openxmlformats.org/drawingml/2006/chart" xmlns:dgm="http://schemas.openxmlformats.org/drawingml/2006/diagram" xmlns:o="urn:schemas-microsoft-com:office:office" xmlns:v="urn:schemas-microsoft-com:vml" xmlns:pvml="urn:schemas-microsoft-com:office:powerpoint" xmlns:com="http://schemas.openxmlformats.org/drawingml/2006/compatibility" xmlns:p14="http://schemas.microsoft.com/office/powerpoint/2010/main" xmlns:p15="http://schemas.microsoft.com/office/powerpoint/2012/main" showMasterPhAnim="0" showMasterSp="0">
+  <p:cSld>
+    <p:spTree>
+      <p:nvGrpSpPr>
+        <p:cNvPr id="130" name="Shape 130"/>
+        <p:cNvGrpSpPr/>
+        <p:nvPr/>
+      </p:nvGrpSpPr>
+      <p:grpSpPr>
+        <a:xfrm>
+          <a:off x="0" y="0"/>
+          <a:ext cx="0" cy="0"/>
+          <a:chOff x="0" y="0"/>
+          <a:chExt cx="0" cy="0"/>
+        </a:xfrm>
+      </p:grpSpPr>
+      <p:sp>
+        <p:nvSpPr>
+          <p:cNvPr id="131" name="Google Shape;131;g8a797ef5bf_0_101:notes"/>
+          <p:cNvSpPr/>
+          <p:nvPr>
+            <p:ph idx="2" type="sldImg"/>
+          </p:nvPr>
+        </p:nvSpPr>
+        <p:spPr>
+          <a:xfrm>
+            <a:off x="381300" y="685800"/>
+            <a:ext cx="6096000" cy="3429000"/>
+          </a:xfrm>
+          <a:custGeom>
+            <a:rect b="b" l="l" r="r" t="t"/>
+            <a:pathLst>
+              <a:path extrusionOk="0" h="120000" w="120000">
+                <a:moveTo>
+                  <a:pt x="0" y="0"/>
+                </a:moveTo>
+                <a:lnTo>
+                  <a:pt x="120000" y="0"/>
+                </a:lnTo>
+                <a:lnTo>
+                  <a:pt x="120000" y="120000"/>
+                </a:lnTo>
+                <a:lnTo>
+                  <a:pt x="0" y="120000"/>
+                </a:lnTo>
+                <a:close/>
+              </a:path>
+            </a:pathLst>
+          </a:custGeom>
+        </p:spPr>
+      </p:sp>
+      <p:sp>
+        <p:nvSpPr>
+          <p:cNvPr id="132" name="Google Shape;132;g8a797ef5bf_0_101:notes"/>
           <p:cNvSpPr txBox="1"/>
           <p:nvPr>
             <p:ph idx="1" type="body"/>
@@ -8315,7 +8415,7 @@
                 <a:cs typeface="Roboto"/>
                 <a:sym typeface="Roboto"/>
               </a:rPr>
-              <a:t>Why cross validation</a:t>
+              <a:t>Testing methodology</a:t>
             </a:r>
             <a:endParaRPr sz="3000">
               <a:solidFill>
@@ -8395,9 +8495,52 @@
                 <a:cs typeface="Roboto"/>
                 <a:sym typeface="Roboto"/>
               </a:rPr>
-              <a:t>Which one should I pick?</a:t>
+              <a:t>RMSE vs. MAE?</a:t>
             </a:r>
-            <a:endParaRPr sz="800">
+            <a:endParaRPr sz="3000">
+              <a:solidFill>
+                <a:schemeClr val="lt1"/>
+              </a:solidFill>
+              <a:latin typeface="Roboto"/>
+              <a:ea typeface="Roboto"/>
+              <a:cs typeface="Roboto"/>
+              <a:sym typeface="Roboto"/>
+            </a:endParaRPr>
+          </a:p>
+          <a:p>
+            <a:pPr indent="-419100" lvl="0" marL="457200" rtl="0" algn="l">
+              <a:lnSpc>
+                <a:spcPct val="200000"/>
+              </a:lnSpc>
+              <a:spcBef>
+                <a:spcPts val="0"/>
+              </a:spcBef>
+              <a:spcAft>
+                <a:spcPts val="0"/>
+              </a:spcAft>
+              <a:buClr>
+                <a:schemeClr val="lt1"/>
+              </a:buClr>
+              <a:buSzPts val="3000"/>
+              <a:buFont typeface="Roboto"/>
+              <a:buChar char="●"/>
+            </a:pPr>
+            <a:r>
+              <a:rPr lang="en" sz="3000">
+                <a:solidFill>
+                  <a:schemeClr val="lt1"/>
+                </a:solidFill>
+                <a:latin typeface="Roboto"/>
+                <a:ea typeface="Roboto"/>
+                <a:cs typeface="Roboto"/>
+                <a:sym typeface="Roboto"/>
+              </a:rPr>
+              <a:t>Limitations</a:t>
+            </a:r>
+            <a:endParaRPr sz="3000">
+              <a:solidFill>
+                <a:schemeClr val="lt1"/>
+              </a:solidFill>
               <a:latin typeface="Roboto"/>
               <a:ea typeface="Roboto"/>
               <a:cs typeface="Roboto"/>
@@ -8465,7 +8608,7 @@
             </a:pPr>
             <a:r>
               <a:rPr lang="en"/>
-              <a:t>Why cross validation</a:t>
+              <a:t>Testing methodologies</a:t>
             </a:r>
             <a:endParaRPr/>
           </a:p>
@@ -8487,8 +8630,8 @@
         </p:blipFill>
         <p:spPr>
           <a:xfrm>
-            <a:off x="152400" y="681625"/>
-            <a:ext cx="3932338" cy="4309476"/>
+            <a:off x="152400" y="834025"/>
+            <a:ext cx="4327702" cy="2832523"/>
           </a:xfrm>
           <a:prstGeom prst="rect">
             <a:avLst/>
@@ -8515,8 +8658,8 @@
         </p:blipFill>
         <p:spPr>
           <a:xfrm>
-            <a:off x="4572009" y="681625"/>
-            <a:ext cx="4266791" cy="4030625"/>
+            <a:off x="4632502" y="834025"/>
+            <a:ext cx="4359100" cy="4117599"/>
           </a:xfrm>
           <a:prstGeom prst="rect">
             <a:avLst/>
@@ -8566,6 +8709,59 @@
                                           </p:stCondLst>
                                         </p:cTn>
                                         <p:tgtEl>
+                                          <p:spTgt spid="98"/>
+                                        </p:tgtEl>
+                                        <p:attrNameLst>
+                                          <p:attrName>style.visibility</p:attrName>
+                                        </p:attrNameLst>
+                                      </p:cBhvr>
+                                      <p:to>
+                                        <p:strVal val="visible"/>
+                                      </p:to>
+                                    </p:set>
+                                    <p:animEffect filter="fade" transition="in">
+                                      <p:cBhvr>
+                                        <p:cTn dur="1"/>
+                                        <p:tgtEl>
+                                          <p:spTgt spid="98"/>
+                                        </p:tgtEl>
+                                      </p:cBhvr>
+                                    </p:animEffect>
+                                  </p:childTnLst>
+                                </p:cTn>
+                              </p:par>
+                            </p:childTnLst>
+                          </p:cTn>
+                        </p:par>
+                      </p:childTnLst>
+                    </p:cTn>
+                  </p:par>
+                  <p:par>
+                    <p:cTn fill="hold">
+                      <p:stCondLst>
+                        <p:cond delay="indefinite"/>
+                      </p:stCondLst>
+                      <p:childTnLst>
+                        <p:par>
+                          <p:cTn fill="hold">
+                            <p:stCondLst>
+                              <p:cond delay="0"/>
+                            </p:stCondLst>
+                            <p:childTnLst>
+                              <p:par>
+                                <p:cTn fill="hold" nodeType="clickEffect" presetClass="entr" presetID="10" presetSubtype="0">
+                                  <p:stCondLst>
+                                    <p:cond delay="0"/>
+                                  </p:stCondLst>
+                                  <p:childTnLst>
+                                    <p:set>
+                                      <p:cBhvr>
+                                        <p:cTn dur="1" fill="hold">
+                                          <p:stCondLst>
+                                            <p:cond delay="0"/>
+                                          </p:stCondLst>
+                                        </p:cTn>
+                                        <p:tgtEl>
                                           <p:spTgt spid="99"/>
                                         </p:tgtEl>
                                         <p:attrNameLst>
@@ -8578,7 +8774,7 @@
                                     </p:set>
                                     <p:animEffect filter="fade" transition="in">
                                       <p:cBhvr>
-                                        <p:cTn dur="1000"/>
+                                        <p:cTn dur="100"/>
                                         <p:tgtEl>
                                           <p:spTgt spid="99"/>
                                         </p:tgtEl>
@@ -8710,100 +8906,6 @@
           </a:p>
         </p:txBody>
       </p:sp>
-      <p:sp>
-        <p:nvSpPr>
-          <p:cNvPr id="106" name="Google Shape;106;p16"/>
-          <p:cNvSpPr/>
-          <p:nvPr/>
-        </p:nvSpPr>
-        <p:spPr>
-          <a:xfrm>
-            <a:off x="4090000" y="4069350"/>
-            <a:ext cx="1505400" cy="1074000"/>
-          </a:xfrm>
-          <a:prstGeom prst="rect">
-            <a:avLst/>
-          </a:prstGeom>
-          <a:noFill/>
-          <a:ln cap="flat" cmpd="sng" w="38100">
-            <a:solidFill>
-              <a:srgbClr val="FF0000"/>
-            </a:solidFill>
-            <a:prstDash val="solid"/>
-            <a:round/>
-            <a:headEnd len="sm" w="sm" type="none"/>
-            <a:tailEnd len="sm" w="sm" type="none"/>
-          </a:ln>
-        </p:spPr>
-        <p:txBody>
-          <a:bodyPr anchorCtr="0" anchor="ctr" bIns="91425" lIns="91425" spcFirstLastPara="1" rIns="91425" wrap="square" tIns="91425">
-            <a:noAutofit/>
-          </a:bodyPr>
-          <a:lstStyle/>
-          <a:p>
-            <a:pPr indent="0" lvl="0" marL="0" rtl="0" algn="l">
-              <a:spcBef>
-                <a:spcPts val="0"/>
-              </a:spcBef>
-              <a:spcAft>
-                <a:spcPts val="0"/>
-              </a:spcAft>
-              <a:buNone/>
-            </a:pPr>
-            <a:r>
-              <a:t/>
-            </a:r>
-            <a:endParaRPr/>
-          </a:p>
-        </p:txBody>
-      </p:sp>
-      <p:sp>
-        <p:nvSpPr>
-          <p:cNvPr id="107" name="Google Shape;107;p16"/>
-          <p:cNvSpPr/>
-          <p:nvPr/>
-        </p:nvSpPr>
-        <p:spPr>
-          <a:xfrm>
-            <a:off x="7379700" y="2073100"/>
-            <a:ext cx="1425300" cy="2316300"/>
-          </a:xfrm>
-          <a:prstGeom prst="rect">
-            <a:avLst/>
-          </a:prstGeom>
-          <a:noFill/>
-          <a:ln cap="flat" cmpd="sng" w="38100">
-            <a:solidFill>
-              <a:srgbClr val="FF0000"/>
-            </a:solidFill>
-            <a:prstDash val="solid"/>
-            <a:round/>
-            <a:headEnd len="sm" w="sm" type="none"/>
-            <a:tailEnd len="sm" w="sm" type="none"/>
-          </a:ln>
-        </p:spPr>
-        <p:txBody>
-          <a:bodyPr anchorCtr="0" anchor="ctr" bIns="91425" lIns="91425" spcFirstLastPara="1" rIns="91425" wrap="square" tIns="91425">
-            <a:noAutofit/>
-          </a:bodyPr>
-          <a:lstStyle/>
-          <a:p>
-            <a:pPr indent="0" lvl="0" marL="0" rtl="0" algn="l">
-              <a:spcBef>
-                <a:spcPts val="0"/>
-              </a:spcBef>
-              <a:spcAft>
-                <a:spcPts val="0"/>
-              </a:spcAft>
-              <a:buNone/>
-            </a:pPr>
-            <a:r>
-              <a:t/>
-            </a:r>
-            <a:endParaRPr/>
-          </a:p>
-        </p:txBody>
-      </p:sp>
     </p:spTree>
   </p:cSld>
   <p:clrMapOvr>
@@ -8830,7 +8932,7 @@
                             </p:stCondLst>
                             <p:childTnLst>
                               <p:par>
-                                <p:cTn fill="hold" nodeType="clickEffect" presetClass="entr" presetID="1" presetSubtype="0">
+                                <p:cTn fill="hold" nodeType="clickEffect" presetClass="entr" presetID="10" presetSubtype="0">
                                   <p:stCondLst>
                                     <p:cond delay="0"/>
                                   </p:stCondLst>
@@ -8853,96 +8955,14 @@
                                         <p:strVal val="visible"/>
                                       </p:to>
                                     </p:set>
-                                  </p:childTnLst>
-                                </p:cTn>
-                              </p:par>
-                            </p:childTnLst>
-                          </p:cTn>
-                        </p:par>
-                      </p:childTnLst>
-                    </p:cTn>
-                  </p:par>
-                  <p:par>
-                    <p:cTn fill="hold">
-                      <p:stCondLst>
-                        <p:cond delay="indefinite"/>
-                      </p:stCondLst>
-                      <p:childTnLst>
-                        <p:par>
-                          <p:cTn fill="hold">
-                            <p:stCondLst>
-                              <p:cond delay="0"/>
-                            </p:stCondLst>
-                            <p:childTnLst>
-                              <p:par>
-                                <p:cTn fill="hold" nodeType="clickEffect" presetClass="entr" presetID="1" presetSubtype="0">
-                                  <p:stCondLst>
-                                    <p:cond delay="0"/>
-                                  </p:stCondLst>
-                                  <p:childTnLst>
-                                    <p:set>
+                                    <p:animEffect filter="fade" transition="in">
                                       <p:cBhvr>
-                                        <p:cTn dur="1" fill="hold">
-                                          <p:stCondLst>
-                                            <p:cond delay="0"/>
-                                          </p:stCondLst>
-                                        </p:cTn>
+                                        <p:cTn dur="500"/>
                                         <p:tgtEl>
-                                          <p:spTgt spid="106"/>
+                                          <p:spTgt spid="105"/>
                                         </p:tgtEl>
-                                        <p:attrNameLst>
-                                          <p:attrName>style.visibility</p:attrName>
-                                        </p:attrNameLst>
                                       </p:cBhvr>
-                                      <p:to>
-                                        <p:strVal val="visible"/>
-                                      </p:to>
-                                    </p:set>
-                                  </p:childTnLst>
-                                </p:cTn>
-                              </p:par>
-                            </p:childTnLst>
-                          </p:cTn>
-                        </p:par>
-                      </p:childTnLst>
-                    </p:cTn>
-                  </p:par>
-                  <p:par>
-                    <p:cTn fill="hold">
-                      <p:stCondLst>
-                        <p:cond delay="indefinite"/>
-                      </p:stCondLst>
-                      <p:childTnLst>
-                        <p:par>
-                          <p:cTn fill="hold">
-                            <p:stCondLst>
-                              <p:cond delay="0"/>
-                            </p:stCondLst>
-                            <p:childTnLst>
-                              <p:par>
-                                <p:cTn fill="hold" nodeType="clickEffect" presetClass="entr" presetID="1" presetSubtype="0">
-                                  <p:stCondLst>
-                                    <p:cond delay="0"/>
-                                  </p:stCondLst>
-                                  <p:childTnLst>
-                                    <p:set>
-                                      <p:cBhvr>
-                                        <p:cTn dur="1" fill="hold">
-                                          <p:stCondLst>
-                                            <p:cond delay="0"/>
-                                          </p:stCondLst>
-                                        </p:cTn>
-                                        <p:tgtEl>
-                                          <p:spTgt spid="107"/>
-                                        </p:tgtEl>
-                                        <p:attrNameLst>
-                                          <p:attrName>style.visibility</p:attrName>
-                                        </p:attrNameLst>
-                                      </p:cBhvr>
-                                      <p:to>
-                                        <p:strVal val="visible"/>
-                                      </p:to>
-                                    </p:set>
+                                    </p:animEffect>
                                   </p:childTnLst>
                                 </p:cTn>
                               </p:par>
@@ -8982,7 +9002,7 @@
   <p:cSld>
     <p:spTree>
       <p:nvGrpSpPr>
-        <p:cNvPr id="111" name="Shape 111"/>
+        <p:cNvPr id="109" name="Shape 109"/>
         <p:cNvGrpSpPr/>
         <p:nvPr/>
       </p:nvGrpSpPr>
@@ -8996,7 +9016,7 @@
       </p:grpSpPr>
       <p:sp>
         <p:nvSpPr>
-          <p:cNvPr id="112" name="Google Shape;112;p17"/>
+          <p:cNvPr id="110" name="Google Shape;110;p17"/>
           <p:cNvSpPr txBox="1"/>
           <p:nvPr>
             <p:ph type="title"/>
@@ -9036,7 +9056,7 @@
       </p:sp>
       <p:pic>
         <p:nvPicPr>
-          <p:cNvPr id="113" name="Google Shape;113;p17"/>
+          <p:cNvPr id="111" name="Google Shape;111;p17"/>
           <p:cNvPicPr preferRelativeResize="0"/>
           <p:nvPr/>
         </p:nvPicPr>
@@ -9064,7 +9084,7 @@
       </p:pic>
       <p:graphicFrame>
         <p:nvGraphicFramePr>
-          <p:cNvPr id="114" name="Google Shape;114;p17"/>
+          <p:cNvPr id="112" name="Google Shape;112;p17"/>
           <p:cNvGraphicFramePr/>
           <p:nvPr/>
         </p:nvGraphicFramePr>
@@ -9077,7 +9097,7 @@
             <a:tbl>
               <a:tblPr>
                 <a:noFill/>
-                <a:tableStyleId>{74549BED-4805-4721-8D5D-06D765AE62F2}</a:tableStyleId>
+                <a:tableStyleId>{BCE9C8B6-F995-4EE0-A6A5-8B73BEC78652}</a:tableStyleId>
               </a:tblPr>
               <a:tblGrid>
                 <a:gridCol w="1181775"/>
@@ -9090,7 +9110,7 @@
                     <a:bodyPr/>
                     <a:lstStyle/>
                     <a:p>
-                      <a:pPr indent="0" lvl="0" marL="0" rtl="0" algn="l">
+                      <a:pPr indent="0" lvl="0" marL="0" rtl="0" algn="ctr">
                         <a:spcBef>
                           <a:spcPts val="0"/>
                         </a:spcBef>
@@ -9101,7 +9121,7 @@
                       </a:pPr>
                       <a:r>
                         <a:rPr lang="en"/>
-                        <a:t>predicted</a:t>
+                        <a:t>Predicted</a:t>
                       </a:r>
                       <a:endParaRPr/>
                     </a:p>
@@ -9113,7 +9133,7 @@
                     <a:bodyPr/>
                     <a:lstStyle/>
                     <a:p>
-                      <a:pPr indent="0" lvl="0" marL="0" rtl="0" algn="l">
+                      <a:pPr indent="0" lvl="0" marL="0" rtl="0" algn="ctr">
                         <a:spcBef>
                           <a:spcPts val="0"/>
                         </a:spcBef>
@@ -9124,7 +9144,7 @@
                       </a:pPr>
                       <a:r>
                         <a:rPr lang="en"/>
-                        <a:t>actual</a:t>
+                        <a:t>Actual</a:t>
                       </a:r>
                       <a:endParaRPr/>
                     </a:p>
@@ -9136,7 +9156,7 @@
                     <a:bodyPr/>
                     <a:lstStyle/>
                     <a:p>
-                      <a:pPr indent="0" lvl="0" marL="0" rtl="0" algn="l">
+                      <a:pPr indent="0" lvl="0" marL="0" rtl="0" algn="ctr">
                         <a:spcBef>
                           <a:spcPts val="0"/>
                         </a:spcBef>
@@ -9147,7 +9167,7 @@
                       </a:pPr>
                       <a:r>
                         <a:rPr lang="en"/>
-                        <a:t>error</a:t>
+                        <a:t>Error</a:t>
                       </a:r>
                       <a:endParaRPr/>
                     </a:p>
@@ -9161,7 +9181,7 @@
                     <a:bodyPr/>
                     <a:lstStyle/>
                     <a:p>
-                      <a:pPr indent="0" lvl="0" marL="0" rtl="0" algn="l">
+                      <a:pPr indent="0" lvl="0" marL="0" rtl="0" algn="ctr">
                         <a:spcBef>
                           <a:spcPts val="0"/>
                         </a:spcBef>
@@ -9184,7 +9204,7 @@
                     <a:bodyPr/>
                     <a:lstStyle/>
                     <a:p>
-                      <a:pPr indent="0" lvl="0" marL="0" rtl="0" algn="l">
+                      <a:pPr indent="0" lvl="0" marL="0" rtl="0" algn="ctr">
                         <a:spcBef>
                           <a:spcPts val="0"/>
                         </a:spcBef>
@@ -9207,7 +9227,7 @@
                     <a:bodyPr/>
                     <a:lstStyle/>
                     <a:p>
-                      <a:pPr indent="0" lvl="0" marL="0" rtl="0" algn="l">
+                      <a:pPr indent="0" lvl="0" marL="0" rtl="0" algn="ctr">
                         <a:spcBef>
                           <a:spcPts val="0"/>
                         </a:spcBef>
@@ -9232,7 +9252,7 @@
                     <a:bodyPr/>
                     <a:lstStyle/>
                     <a:p>
-                      <a:pPr indent="0" lvl="0" marL="0" rtl="0" algn="l">
+                      <a:pPr indent="0" lvl="0" marL="0" rtl="0" algn="ctr">
                         <a:spcBef>
                           <a:spcPts val="0"/>
                         </a:spcBef>
@@ -9265,7 +9285,7 @@
                     <a:bodyPr/>
                     <a:lstStyle/>
                     <a:p>
-                      <a:pPr indent="0" lvl="0" marL="0" rtl="0" algn="l">
+                      <a:pPr indent="0" lvl="0" marL="0" rtl="0" algn="ctr">
                         <a:spcBef>
                           <a:spcPts val="0"/>
                         </a:spcBef>
@@ -9298,7 +9318,7 @@
                     <a:bodyPr/>
                     <a:lstStyle/>
                     <a:p>
-                      <a:pPr indent="0" lvl="0" marL="0" rtl="0" algn="l">
+                      <a:pPr indent="0" lvl="0" marL="0" rtl="0" algn="ctr">
                         <a:spcBef>
                           <a:spcPts val="0"/>
                         </a:spcBef>
@@ -9333,7 +9353,7 @@
                     <a:bodyPr/>
                     <a:lstStyle/>
                     <a:p>
-                      <a:pPr indent="0" lvl="0" marL="0" rtl="0" algn="l">
+                      <a:pPr indent="0" lvl="0" marL="0" rtl="0" algn="ctr">
                         <a:spcBef>
                           <a:spcPts val="0"/>
                         </a:spcBef>
@@ -9393,7 +9413,7 @@
                     <a:bodyPr/>
                     <a:lstStyle/>
                     <a:p>
-                      <a:pPr indent="0" lvl="0" marL="0" rtl="0" algn="l">
+                      <a:pPr indent="0" lvl="0" marL="0" rtl="0" algn="ctr">
                         <a:spcBef>
                           <a:spcPts val="0"/>
                         </a:spcBef>
@@ -9453,7 +9473,7 @@
                     <a:bodyPr/>
                     <a:lstStyle/>
                     <a:p>
-                      <a:pPr indent="0" lvl="0" marL="0" rtl="0" algn="l">
+                      <a:pPr indent="0" lvl="0" marL="0" rtl="0" algn="ctr">
                         <a:spcBef>
                           <a:spcPts val="0"/>
                         </a:spcBef>
@@ -9515,7 +9535,7 @@
                     <a:bodyPr/>
                     <a:lstStyle/>
                     <a:p>
-                      <a:pPr indent="0" lvl="0" marL="0" rtl="0" algn="l">
+                      <a:pPr indent="0" lvl="0" marL="0" rtl="0" algn="ctr">
                         <a:spcBef>
                           <a:spcPts val="0"/>
                         </a:spcBef>
@@ -9575,7 +9595,7 @@
                     <a:bodyPr/>
                     <a:lstStyle/>
                     <a:p>
-                      <a:pPr indent="0" lvl="0" marL="0" rtl="0" algn="l">
+                      <a:pPr indent="0" lvl="0" marL="0" rtl="0" algn="ctr">
                         <a:spcBef>
                           <a:spcPts val="0"/>
                         </a:spcBef>
@@ -9635,7 +9655,7 @@
                     <a:bodyPr/>
                     <a:lstStyle/>
                     <a:p>
-                      <a:pPr indent="0" lvl="0" marL="0" rtl="0" algn="l">
+                      <a:pPr indent="0" lvl="0" marL="0" rtl="0" algn="ctr">
                         <a:spcBef>
                           <a:spcPts val="0"/>
                         </a:spcBef>
@@ -9697,7 +9717,7 @@
                     <a:bodyPr/>
                     <a:lstStyle/>
                     <a:p>
-                      <a:pPr indent="0" lvl="0" marL="0" rtl="0" algn="l">
+                      <a:pPr indent="0" lvl="0" marL="0" rtl="0" algn="ctr">
                         <a:spcBef>
                           <a:spcPts val="0"/>
                         </a:spcBef>
@@ -9758,7 +9778,7 @@
                     <a:bodyPr/>
                     <a:lstStyle/>
                     <a:p>
-                      <a:pPr indent="0" lvl="0" marL="0" rtl="0" algn="l">
+                      <a:pPr indent="0" lvl="0" marL="0" rtl="0" algn="ctr">
                         <a:spcBef>
                           <a:spcPts val="0"/>
                         </a:spcBef>
@@ -9820,7 +9840,7 @@
       </p:graphicFrame>
       <p:pic>
         <p:nvPicPr>
-          <p:cNvPr id="115" name="Google Shape;115;p17"/>
+          <p:cNvPr id="113" name="Google Shape;113;p17"/>
           <p:cNvPicPr preferRelativeResize="0"/>
           <p:nvPr/>
         </p:nvPicPr>
@@ -9848,7 +9868,7 @@
       </p:pic>
       <p:graphicFrame>
         <p:nvGraphicFramePr>
-          <p:cNvPr id="116" name="Google Shape;116;p17"/>
+          <p:cNvPr id="114" name="Google Shape;114;p17"/>
           <p:cNvGraphicFramePr/>
           <p:nvPr/>
         </p:nvGraphicFramePr>
@@ -9861,7 +9881,7 @@
             <a:tbl>
               <a:tblPr>
                 <a:noFill/>
-                <a:tableStyleId>{74549BED-4805-4721-8D5D-06D765AE62F2}</a:tableStyleId>
+                <a:tableStyleId>{BCE9C8B6-F995-4EE0-A6A5-8B73BEC78652}</a:tableStyleId>
               </a:tblPr>
               <a:tblGrid>
                 <a:gridCol w="1264825"/>
@@ -9874,7 +9894,7 @@
                     <a:bodyPr/>
                     <a:lstStyle/>
                     <a:p>
-                      <a:pPr indent="0" lvl="0" marL="0" rtl="0" algn="l">
+                      <a:pPr indent="0" lvl="0" marL="0" rtl="0" algn="ctr">
                         <a:spcBef>
                           <a:spcPts val="0"/>
                         </a:spcBef>
@@ -9885,7 +9905,11 @@
                       </a:pPr>
                       <a:r>
                         <a:rPr lang="en"/>
-                        <a:t>predicted</a:t>
+                        <a:t>P</a:t>
+                      </a:r>
+                      <a:r>
+                        <a:rPr lang="en"/>
+                        <a:t>redicted</a:t>
                       </a:r>
                       <a:endParaRPr/>
                     </a:p>
@@ -9907,7 +9931,7 @@
                     <a:bodyPr/>
                     <a:lstStyle/>
                     <a:p>
-                      <a:pPr indent="0" lvl="0" marL="0" rtl="0" algn="l">
+                      <a:pPr indent="0" lvl="0" marL="0" rtl="0" algn="ctr">
                         <a:spcBef>
                           <a:spcPts val="0"/>
                         </a:spcBef>
@@ -9918,7 +9942,11 @@
                       </a:pPr>
                       <a:r>
                         <a:rPr lang="en"/>
-                        <a:t>actual</a:t>
+                        <a:t>A</a:t>
+                      </a:r>
+                      <a:r>
+                        <a:rPr lang="en"/>
+                        <a:t>ctual</a:t>
                       </a:r>
                       <a:endParaRPr/>
                     </a:p>
@@ -9940,7 +9968,7 @@
                     <a:bodyPr/>
                     <a:lstStyle/>
                     <a:p>
-                      <a:pPr indent="0" lvl="0" marL="0" rtl="0" algn="l">
+                      <a:pPr indent="0" lvl="0" marL="0" rtl="0" algn="ctr">
                         <a:spcBef>
                           <a:spcPts val="0"/>
                         </a:spcBef>
@@ -9951,7 +9979,11 @@
                       </a:pPr>
                       <a:r>
                         <a:rPr lang="en"/>
-                        <a:t>error</a:t>
+                        <a:t>E</a:t>
+                      </a:r>
+                      <a:r>
+                        <a:rPr lang="en"/>
+                        <a:t>rror</a:t>
                       </a:r>
                       <a:r>
                         <a:rPr baseline="30000" lang="en"/>
@@ -9979,7 +10011,7 @@
                     <a:bodyPr/>
                     <a:lstStyle/>
                     <a:p>
-                      <a:pPr indent="0" lvl="0" marL="0" rtl="0" algn="l">
+                      <a:pPr indent="0" lvl="0" marL="0" rtl="0" algn="ctr">
                         <a:spcBef>
                           <a:spcPts val="0"/>
                         </a:spcBef>
@@ -10039,7 +10071,7 @@
                     <a:bodyPr/>
                     <a:lstStyle/>
                     <a:p>
-                      <a:pPr indent="0" lvl="0" marL="0" rtl="0" algn="l">
+                      <a:pPr indent="0" lvl="0" marL="0" rtl="0" algn="ctr">
                         <a:spcBef>
                           <a:spcPts val="0"/>
                         </a:spcBef>
@@ -10099,7 +10131,7 @@
                     <a:bodyPr/>
                     <a:lstStyle/>
                     <a:p>
-                      <a:pPr indent="0" lvl="0" marL="0" rtl="0" algn="l">
+                      <a:pPr indent="0" lvl="0" marL="0" rtl="0" algn="ctr">
                         <a:spcBef>
                           <a:spcPts val="0"/>
                         </a:spcBef>
@@ -10161,7 +10193,7 @@
                     <a:bodyPr/>
                     <a:lstStyle/>
                     <a:p>
-                      <a:pPr indent="0" lvl="0" marL="0" rtl="0" algn="l">
+                      <a:pPr indent="0" lvl="0" marL="0" rtl="0" algn="ctr">
                         <a:spcBef>
                           <a:spcPts val="0"/>
                         </a:spcBef>
@@ -10221,7 +10253,7 @@
                     <a:bodyPr/>
                     <a:lstStyle/>
                     <a:p>
-                      <a:pPr indent="0" lvl="0" marL="0" rtl="0" algn="l">
+                      <a:pPr indent="0" lvl="0" marL="0" rtl="0" algn="ctr">
                         <a:spcBef>
                           <a:spcPts val="0"/>
                         </a:spcBef>
@@ -10281,7 +10313,7 @@
                     <a:bodyPr/>
                     <a:lstStyle/>
                     <a:p>
-                      <a:pPr indent="0" lvl="0" marL="0" rtl="0" algn="l">
+                      <a:pPr indent="0" lvl="0" marL="0" rtl="0" algn="ctr">
                         <a:spcBef>
                           <a:spcPts val="0"/>
                         </a:spcBef>
@@ -10343,7 +10375,7 @@
                     <a:bodyPr/>
                     <a:lstStyle/>
                     <a:p>
-                      <a:pPr indent="0" lvl="0" marL="0" rtl="0" algn="l">
+                      <a:pPr indent="0" lvl="0" marL="0" rtl="0" algn="ctr">
                         <a:spcBef>
                           <a:spcPts val="0"/>
                         </a:spcBef>
@@ -10403,7 +10435,7 @@
                     <a:bodyPr/>
                     <a:lstStyle/>
                     <a:p>
-                      <a:pPr indent="0" lvl="0" marL="0" rtl="0" algn="l">
+                      <a:pPr indent="0" lvl="0" marL="0" rtl="0" algn="ctr">
                         <a:spcBef>
                           <a:spcPts val="0"/>
                         </a:spcBef>
@@ -10463,7 +10495,7 @@
                     <a:bodyPr/>
                     <a:lstStyle/>
                     <a:p>
-                      <a:pPr indent="0" lvl="0" marL="0" rtl="0" algn="l">
+                      <a:pPr indent="0" lvl="0" marL="0" rtl="0" algn="ctr">
                         <a:spcBef>
                           <a:spcPts val="0"/>
                         </a:spcBef>
@@ -10525,7 +10557,7 @@
                     <a:bodyPr/>
                     <a:lstStyle/>
                     <a:p>
-                      <a:pPr indent="0" lvl="0" marL="0" rtl="0" algn="l">
+                      <a:pPr indent="0" lvl="0" marL="0" rtl="0" algn="ctr">
                         <a:spcBef>
                           <a:spcPts val="0"/>
                         </a:spcBef>
@@ -10585,7 +10617,7 @@
                     <a:bodyPr/>
                     <a:lstStyle/>
                     <a:p>
-                      <a:pPr indent="0" lvl="0" marL="0" rtl="0" algn="l">
+                      <a:pPr indent="0" lvl="0" marL="0" rtl="0" algn="ctr">
                         <a:spcBef>
                           <a:spcPts val="0"/>
                         </a:spcBef>
@@ -10645,7 +10677,7 @@
                     <a:bodyPr/>
                     <a:lstStyle/>
                     <a:p>
-                      <a:pPr indent="0" lvl="0" marL="0" rtl="0" algn="l">
+                      <a:pPr indent="0" lvl="0" marL="0" rtl="0" algn="ctr">
                         <a:spcBef>
                           <a:spcPts val="0"/>
                         </a:spcBef>
@@ -10707,7 +10739,7 @@
                     <a:bodyPr/>
                     <a:lstStyle/>
                     <a:p>
-                      <a:pPr indent="0" lvl="0" marL="0" rtl="0" algn="l">
+                      <a:pPr indent="0" lvl="0" marL="0" rtl="0" algn="ctr">
                         <a:spcBef>
                           <a:spcPts val="0"/>
                         </a:spcBef>
@@ -10741,7 +10773,7 @@
                     <a:bodyPr/>
                     <a:lstStyle/>
                     <a:p>
-                      <a:pPr indent="0" lvl="0" marL="0" rtl="0" algn="l">
+                      <a:pPr indent="0" lvl="0" marL="0" rtl="0" algn="ctr">
                         <a:spcBef>
                           <a:spcPts val="0"/>
                         </a:spcBef>
@@ -10757,7 +10789,7 @@
                       <a:endParaRPr/>
                     </a:p>
                     <a:p>
-                      <a:pPr indent="0" lvl="0" marL="0" rtl="0" algn="l">
+                      <a:pPr indent="0" lvl="0" marL="0" rtl="0" algn="ctr">
                         <a:spcBef>
                           <a:spcPts val="0"/>
                         </a:spcBef>
@@ -10792,13 +10824,13 @@
       </p:graphicFrame>
       <p:sp>
         <p:nvSpPr>
-          <p:cNvPr id="117" name="Google Shape;117;p17"/>
+          <p:cNvPr id="115" name="Google Shape;115;p17"/>
           <p:cNvSpPr/>
           <p:nvPr/>
         </p:nvSpPr>
         <p:spPr>
           <a:xfrm>
-            <a:off x="2669225" y="4426350"/>
+            <a:off x="2897825" y="4426350"/>
             <a:ext cx="560100" cy="321300"/>
           </a:xfrm>
           <a:prstGeom prst="rect">
@@ -10839,13 +10871,13 @@
       </p:sp>
       <p:sp>
         <p:nvSpPr>
-          <p:cNvPr id="118" name="Google Shape;118;p17"/>
+          <p:cNvPr id="116" name="Google Shape;116;p17"/>
           <p:cNvSpPr/>
           <p:nvPr/>
         </p:nvSpPr>
         <p:spPr>
           <a:xfrm>
-            <a:off x="7707100" y="4426350"/>
+            <a:off x="8011900" y="4426350"/>
             <a:ext cx="560100" cy="321300"/>
           </a:xfrm>
           <a:prstGeom prst="rect">
@@ -10897,6 +10929,94 @@
             <p:seq concurrent="1" nextAc="seek">
               <p:cTn dur="indefinite" id="2" nodeType="mainSeq">
                 <p:childTnLst>
+                  <p:par>
+                    <p:cTn fill="hold">
+                      <p:stCondLst>
+                        <p:cond delay="indefinite"/>
+                      </p:stCondLst>
+                      <p:childTnLst>
+                        <p:par>
+                          <p:cTn fill="hold">
+                            <p:stCondLst>
+                              <p:cond delay="0"/>
+                            </p:stCondLst>
+                            <p:childTnLst>
+                              <p:par>
+                                <p:cTn fill="hold" nodeType="clickEffect" presetClass="entr" presetID="10" presetSubtype="0">
+                                  <p:stCondLst>
+                                    <p:cond delay="0"/>
+                                  </p:stCondLst>
+                                  <p:childTnLst>
+                                    <p:set>
+                                      <p:cBhvr>
+                                        <p:cTn dur="1" fill="hold">
+                                          <p:stCondLst>
+                                            <p:cond delay="0"/>
+                                          </p:stCondLst>
+                                        </p:cTn>
+                                        <p:tgtEl>
+                                          <p:spTgt spid="111"/>
+                                        </p:tgtEl>
+                                        <p:attrNameLst>
+                                          <p:attrName>style.visibility</p:attrName>
+                                        </p:attrNameLst>
+                                      </p:cBhvr>
+                                      <p:to>
+                                        <p:strVal val="visible"/>
+                                      </p:to>
+                                    </p:set>
+                                    <p:animEffect filter="fade" transition="in">
+                                      <p:cBhvr>
+                                        <p:cTn dur="1000"/>
+                                        <p:tgtEl>
+                                          <p:spTgt spid="111"/>
+                                        </p:tgtEl>
+                                      </p:cBhvr>
+                                    </p:animEffect>
+                                  </p:childTnLst>
+                                </p:cTn>
+                              </p:par>
+                              <p:par>
+                                <p:cTn fill="hold" nodeType="withEffect" presetClass="entr" presetID="10" presetSubtype="0">
+                                  <p:stCondLst>
+                                    <p:cond delay="0"/>
+                                  </p:stCondLst>
+                                  <p:childTnLst>
+                                    <p:set>
+                                      <p:cBhvr>
+                                        <p:cTn dur="1" fill="hold">
+                                          <p:stCondLst>
+                                            <p:cond delay="0"/>
+                                          </p:stCondLst>
+                                        </p:cTn>
+                                        <p:tgtEl>
+                                          <p:spTgt spid="112"/>
+                                        </p:tgtEl>
+                                        <p:attrNameLst>
+                                          <p:attrName>style.visibility</p:attrName>
+                                        </p:attrNameLst>
+                                      </p:cBhvr>
+                                      <p:to>
+                                        <p:strVal val="visible"/>
+                                      </p:to>
+                                    </p:set>
+                                    <p:animEffect filter="fade" transition="in">
+                                      <p:cBhvr>
+                                        <p:cTn dur="1000"/>
+                                        <p:tgtEl>
+                                          <p:spTgt spid="112"/>
+                                        </p:tgtEl>
+                                      </p:cBhvr>
+                                    </p:animEffect>
+                                  </p:childTnLst>
+                                </p:cTn>
+                              </p:par>
+                            </p:childTnLst>
+                          </p:cTn>
+                        </p:par>
+                      </p:childTnLst>
+                    </p:cTn>
+                  </p:par>
                   <p:par>
                     <p:cTn fill="hold">
                       <p:stCondLst>
@@ -11011,41 +11131,6 @@
                                           </p:stCondLst>
                                         </p:cTn>
                                         <p:tgtEl>
-                                          <p:spTgt spid="115"/>
-                                        </p:tgtEl>
-                                        <p:attrNameLst>
-                                          <p:attrName>style.visibility</p:attrName>
-                                        </p:attrNameLst>
-                                      </p:cBhvr>
-                                      <p:to>
-                                        <p:strVal val="visible"/>
-                                      </p:to>
-                                    </p:set>
-                                    <p:animEffect filter="fade" transition="in">
-                                      <p:cBhvr>
-                                        <p:cTn dur="1000"/>
-                                        <p:tgtEl>
-                                          <p:spTgt spid="115"/>
-                                        </p:tgtEl>
-                                      </p:cBhvr>
-                                    </p:animEffect>
-                                  </p:childTnLst>
-                                </p:cTn>
-                              </p:par>
-                              <p:par>
-                                <p:cTn fill="hold" nodeType="withEffect" presetClass="entr" presetID="10" presetSubtype="0">
-                                  <p:stCondLst>
-                                    <p:cond delay="0"/>
-                                  </p:stCondLst>
-                                  <p:childTnLst>
-                                    <p:set>
-                                      <p:cBhvr>
-                                        <p:cTn dur="1" fill="hold">
-                                          <p:stCondLst>
-                                            <p:cond delay="0"/>
-                                          </p:stCondLst>
-                                        </p:cTn>
-                                        <p:tgtEl>
                                           <p:spTgt spid="116"/>
                                         </p:tgtEl>
                                         <p:attrNameLst>
@@ -11067,59 +11152,6 @@
                                   </p:childTnLst>
                                 </p:cTn>
                               </p:par>
-                            </p:childTnLst>
-                          </p:cTn>
-                        </p:par>
-                      </p:childTnLst>
-                    </p:cTn>
-                  </p:par>
-                  <p:par>
-                    <p:cTn fill="hold">
-                      <p:stCondLst>
-                        <p:cond delay="indefinite"/>
-                      </p:stCondLst>
-                      <p:childTnLst>
-                        <p:par>
-                          <p:cTn fill="hold">
-                            <p:stCondLst>
-                              <p:cond delay="0"/>
-                            </p:stCondLst>
-                            <p:childTnLst>
-                              <p:par>
-                                <p:cTn fill="hold" nodeType="clickEffect" presetClass="entr" presetID="10" presetSubtype="0">
-                                  <p:stCondLst>
-                                    <p:cond delay="0"/>
-                                  </p:stCondLst>
-                                  <p:childTnLst>
-                                    <p:set>
-                                      <p:cBhvr>
-                                        <p:cTn dur="1" fill="hold">
-                                          <p:stCondLst>
-                                            <p:cond delay="0"/>
-                                          </p:stCondLst>
-                                        </p:cTn>
-                                        <p:tgtEl>
-                                          <p:spTgt spid="118"/>
-                                        </p:tgtEl>
-                                        <p:attrNameLst>
-                                          <p:attrName>style.visibility</p:attrName>
-                                        </p:attrNameLst>
-                                      </p:cBhvr>
-                                      <p:to>
-                                        <p:strVal val="visible"/>
-                                      </p:to>
-                                    </p:set>
-                                    <p:animEffect filter="fade" transition="in">
-                                      <p:cBhvr>
-                                        <p:cTn dur="1000"/>
-                                        <p:tgtEl>
-                                          <p:spTgt spid="118"/>
-                                        </p:tgtEl>
-                                      </p:cBhvr>
-                                    </p:animEffect>
-                                  </p:childTnLst>
-                                </p:cTn>
-                              </p:par>
                               <p:par>
                                 <p:cTn fill="hold" nodeType="withEffect" presetClass="entr" presetID="10" presetSubtype="0">
                                   <p:stCondLst>
@@ -11134,7 +11166,7 @@
                                           </p:stCondLst>
                                         </p:cTn>
                                         <p:tgtEl>
-                                          <p:spTgt spid="117"/>
+                                          <p:spTgt spid="115"/>
                                         </p:tgtEl>
                                         <p:attrNameLst>
                                           <p:attrName>style.visibility</p:attrName>
@@ -11148,7 +11180,7 @@
                                       <p:cBhvr>
                                         <p:cTn dur="1000"/>
                                         <p:tgtEl>
-                                          <p:spTgt spid="117"/>
+                                          <p:spTgt spid="115"/>
                                         </p:tgtEl>
                                       </p:cBhvr>
                                     </p:animEffect>
@@ -11191,7 +11223,7 @@
   <p:cSld>
     <p:spTree>
       <p:nvGrpSpPr>
-        <p:cNvPr id="122" name="Shape 122"/>
+        <p:cNvPr id="120" name="Shape 120"/>
         <p:cNvGrpSpPr/>
         <p:nvPr/>
       </p:nvGrpSpPr>
@@ -11205,7 +11237,7 @@
       </p:grpSpPr>
       <p:sp>
         <p:nvSpPr>
-          <p:cNvPr id="123" name="Google Shape;123;p18"/>
+          <p:cNvPr id="121" name="Google Shape;121;p18"/>
           <p:cNvSpPr txBox="1"/>
           <p:nvPr>
             <p:ph type="title"/>
@@ -11237,7 +11269,7 @@
             </a:pPr>
             <a:r>
               <a:rPr lang="en"/>
-              <a:t>Which one RMSE or MAE?</a:t>
+              <a:t>RMSE or MAE?</a:t>
             </a:r>
             <a:endParaRPr/>
           </a:p>
@@ -11245,7 +11277,7 @@
       </p:sp>
       <p:sp>
         <p:nvSpPr>
-          <p:cNvPr id="124" name="Google Shape;124;p18"/>
+          <p:cNvPr id="122" name="Google Shape;122;p18"/>
           <p:cNvSpPr txBox="1"/>
           <p:nvPr>
             <p:ph idx="4294967295" type="body"/>
@@ -11284,127 +11316,6 @@
               <a:buChar char="●"/>
             </a:pPr>
             <a:r>
-              <a:rPr lang="en" sz="1450">
-                <a:solidFill>
-                  <a:srgbClr val="242729"/>
-                </a:solidFill>
-                <a:highlight>
-                  <a:srgbClr val="FFFFFF"/>
-                </a:highlight>
-                <a:latin typeface="Arial"/>
-                <a:ea typeface="Arial"/>
-                <a:cs typeface="Arial"/>
-                <a:sym typeface="Arial"/>
-              </a:rPr>
-              <a:t>If </a:t>
-            </a:r>
-            <a:r>
-              <a:rPr b="1" lang="en" sz="1850">
-                <a:solidFill>
-                  <a:srgbClr val="242729"/>
-                </a:solidFill>
-                <a:highlight>
-                  <a:srgbClr val="FFFFFF"/>
-                </a:highlight>
-                <a:latin typeface="Arial"/>
-                <a:ea typeface="Arial"/>
-                <a:cs typeface="Arial"/>
-                <a:sym typeface="Arial"/>
-              </a:rPr>
-              <a:t>RMSE </a:t>
-            </a:r>
-            <a:r>
-              <a:rPr b="1" lang="en" sz="2050">
-                <a:solidFill>
-                  <a:srgbClr val="242729"/>
-                </a:solidFill>
-                <a:highlight>
-                  <a:srgbClr val="FFFFFF"/>
-                </a:highlight>
-                <a:latin typeface="Arial"/>
-                <a:ea typeface="Arial"/>
-                <a:cs typeface="Arial"/>
-                <a:sym typeface="Arial"/>
-              </a:rPr>
-              <a:t>is close</a:t>
-            </a:r>
-            <a:r>
-              <a:rPr lang="en" sz="1650">
-                <a:solidFill>
-                  <a:srgbClr val="242729"/>
-                </a:solidFill>
-                <a:highlight>
-                  <a:srgbClr val="FFFFFF"/>
-                </a:highlight>
-                <a:latin typeface="Arial"/>
-                <a:ea typeface="Arial"/>
-                <a:cs typeface="Arial"/>
-                <a:sym typeface="Arial"/>
-              </a:rPr>
-              <a:t> to </a:t>
-            </a:r>
-            <a:r>
-              <a:rPr b="1" lang="en" sz="1950">
-                <a:solidFill>
-                  <a:srgbClr val="242729"/>
-                </a:solidFill>
-                <a:highlight>
-                  <a:srgbClr val="FFFFFF"/>
-                </a:highlight>
-                <a:latin typeface="Arial"/>
-                <a:ea typeface="Arial"/>
-                <a:cs typeface="Arial"/>
-                <a:sym typeface="Arial"/>
-              </a:rPr>
-              <a:t>MAE</a:t>
-            </a:r>
-            <a:r>
-              <a:rPr lang="en" sz="1650">
-                <a:solidFill>
-                  <a:srgbClr val="242729"/>
-                </a:solidFill>
-                <a:highlight>
-                  <a:srgbClr val="FFFFFF"/>
-                </a:highlight>
-                <a:latin typeface="Arial"/>
-                <a:ea typeface="Arial"/>
-                <a:cs typeface="Arial"/>
-                <a:sym typeface="Arial"/>
-              </a:rPr>
-              <a:t>, then the model makes many relatively small errors.</a:t>
-            </a:r>
-            <a:endParaRPr sz="1650">
-              <a:solidFill>
-                <a:srgbClr val="242729"/>
-              </a:solidFill>
-              <a:highlight>
-                <a:srgbClr val="FFFFFF"/>
-              </a:highlight>
-              <a:latin typeface="Arial"/>
-              <a:ea typeface="Arial"/>
-              <a:cs typeface="Arial"/>
-              <a:sym typeface="Arial"/>
-            </a:endParaRPr>
-          </a:p>
-          <a:p>
-            <a:pPr indent="-342900" lvl="0" marL="457200" rtl="0" algn="l">
-              <a:lnSpc>
-                <a:spcPct val="200000"/>
-              </a:lnSpc>
-              <a:spcBef>
-                <a:spcPts val="0"/>
-              </a:spcBef>
-              <a:spcAft>
-                <a:spcPts val="0"/>
-              </a:spcAft>
-              <a:buClr>
-                <a:srgbClr val="242729"/>
-              </a:buClr>
-              <a:buSzPts val="1800"/>
-              <a:buFont typeface="Arial"/>
-              <a:buChar char="●"/>
-            </a:pPr>
-            <a:r>
               <a:rPr lang="en" sz="1650">
                 <a:solidFill>
                   <a:srgbClr val="242729"/>
@@ -11508,25 +11419,131 @@
             </a:endParaRPr>
           </a:p>
           <a:p>
-            <a:pPr indent="0" lvl="0" marL="0" rtl="0" algn="l">
-              <a:spcBef>
-                <a:spcPts val="2800"/>
-              </a:spcBef>
-              <a:spcAft>
-                <a:spcPts val="1600"/>
-              </a:spcAft>
-              <a:buNone/>
+            <a:pPr indent="-342900" lvl="0" marL="457200" rtl="0" algn="l">
+              <a:lnSpc>
+                <a:spcPct val="200000"/>
+              </a:lnSpc>
+              <a:spcBef>
+                <a:spcPts val="0"/>
+              </a:spcBef>
+              <a:spcAft>
+                <a:spcPts val="0"/>
+              </a:spcAft>
+              <a:buClr>
+                <a:srgbClr val="242729"/>
+              </a:buClr>
+              <a:buSzPts val="1800"/>
+              <a:buFont typeface="Arial"/>
+              <a:buChar char="●"/>
             </a:pPr>
             <a:r>
-              <a:t/>
+              <a:rPr lang="en" sz="1450">
+                <a:solidFill>
+                  <a:srgbClr val="242729"/>
+                </a:solidFill>
+                <a:highlight>
+                  <a:schemeClr val="lt1"/>
+                </a:highlight>
+                <a:latin typeface="Arial"/>
+                <a:ea typeface="Arial"/>
+                <a:cs typeface="Arial"/>
+                <a:sym typeface="Arial"/>
+              </a:rPr>
+              <a:t>If </a:t>
             </a:r>
-            <a:endParaRPr/>
+            <a:r>
+              <a:rPr b="1" lang="en" sz="1850">
+                <a:solidFill>
+                  <a:srgbClr val="242729"/>
+                </a:solidFill>
+                <a:highlight>
+                  <a:schemeClr val="lt1"/>
+                </a:highlight>
+                <a:latin typeface="Arial"/>
+                <a:ea typeface="Arial"/>
+                <a:cs typeface="Arial"/>
+                <a:sym typeface="Arial"/>
+              </a:rPr>
+              <a:t>RMSE </a:t>
+            </a:r>
+            <a:r>
+              <a:rPr b="1" lang="en" sz="2050">
+                <a:solidFill>
+                  <a:srgbClr val="242729"/>
+                </a:solidFill>
+                <a:highlight>
+                  <a:schemeClr val="lt1"/>
+                </a:highlight>
+                <a:latin typeface="Arial"/>
+                <a:ea typeface="Arial"/>
+                <a:cs typeface="Arial"/>
+                <a:sym typeface="Arial"/>
+              </a:rPr>
+              <a:t>is close</a:t>
+            </a:r>
+            <a:r>
+              <a:rPr lang="en" sz="1650">
+                <a:solidFill>
+                  <a:srgbClr val="242729"/>
+                </a:solidFill>
+                <a:highlight>
+                  <a:schemeClr val="lt1"/>
+                </a:highlight>
+                <a:latin typeface="Arial"/>
+                <a:ea typeface="Arial"/>
+                <a:cs typeface="Arial"/>
+                <a:sym typeface="Arial"/>
+              </a:rPr>
+              <a:t> to </a:t>
+            </a:r>
+            <a:r>
+              <a:rPr b="1" lang="en" sz="1950">
+                <a:solidFill>
+                  <a:srgbClr val="242729"/>
+                </a:solidFill>
+                <a:highlight>
+                  <a:schemeClr val="lt1"/>
+                </a:highlight>
+                <a:latin typeface="Arial"/>
+                <a:ea typeface="Arial"/>
+                <a:cs typeface="Arial"/>
+                <a:sym typeface="Arial"/>
+              </a:rPr>
+              <a:t>MAE</a:t>
+            </a:r>
+            <a:r>
+              <a:rPr lang="en" sz="1650">
+                <a:solidFill>
+                  <a:srgbClr val="242729"/>
+                </a:solidFill>
+                <a:highlight>
+                  <a:schemeClr val="lt1"/>
+                </a:highlight>
+                <a:latin typeface="Arial"/>
+                <a:ea typeface="Arial"/>
+                <a:cs typeface="Arial"/>
+                <a:sym typeface="Arial"/>
+              </a:rPr>
+              <a:t>, then the model makes many relatively small errors.</a:t>
+            </a:r>
+            <a:endParaRPr sz="1450">
+              <a:solidFill>
+                <a:srgbClr val="242729"/>
+              </a:solidFill>
+              <a:highlight>
+                <a:srgbClr val="FFFFFF"/>
+              </a:highlight>
+              <a:latin typeface="Arial"/>
+              <a:ea typeface="Arial"/>
+              <a:cs typeface="Arial"/>
+              <a:sym typeface="Arial"/>
+            </a:endParaRPr>
           </a:p>
         </p:txBody>
       </p:sp>
       <p:sp>
         <p:nvSpPr>
-          <p:cNvPr id="125" name="Google Shape;125;p18"/>
+          <p:cNvPr id="123" name="Google Shape;123;p18"/>
           <p:cNvSpPr txBox="1"/>
           <p:nvPr>
             <p:ph type="title"/>
@@ -11736,7 +11753,7 @@
                                           </p:stCondLst>
                                         </p:cTn>
                                         <p:tgtEl>
-                                          <p:spTgt spid="125"/>
+                                          <p:spTgt spid="123"/>
                                         </p:tgtEl>
                                         <p:attrNameLst>
                                           <p:attrName>style.visibility</p:attrName>
@@ -11750,7 +11767,7 @@
                                       <p:cBhvr>
                                         <p:cTn dur="1200"/>
                                         <p:tgtEl>
-                                          <p:spTgt spid="125"/>
+                                          <p:spTgt spid="123"/>
                                         </p:tgtEl>
                                       </p:cBhvr>
                                     </p:animEffect>
@@ -11789,7 +11806,7 @@
                                           </p:stCondLst>
                                         </p:cTn>
                                         <p:tgtEl>
-                                          <p:spTgt spid="124"/>
+                                          <p:spTgt spid="122"/>
                                         </p:tgtEl>
                                         <p:attrNameLst>
                                           <p:attrName>style.visibility</p:attrName>
@@ -11803,7 +11820,7 @@
                                       <p:cBhvr>
                                         <p:cTn dur="1000"/>
                                         <p:tgtEl>
-                                          <p:spTgt spid="124"/>
+                                          <p:spTgt spid="122"/>
                                         </p:tgtEl>
                                       </p:cBhvr>
                                     </p:animEffect>
@@ -11846,7 +11863,7 @@
   <p:cSld>
     <p:spTree>
       <p:nvGrpSpPr>
-        <p:cNvPr id="129" name="Shape 129"/>
+        <p:cNvPr id="127" name="Shape 127"/>
         <p:cNvGrpSpPr/>
         <p:nvPr/>
       </p:nvGrpSpPr>
@@ -11860,7 +11877,211 @@
       </p:grpSpPr>
       <p:sp>
         <p:nvSpPr>
-          <p:cNvPr id="130" name="Google Shape;130;p19"/>
+          <p:cNvPr id="128" name="Google Shape;128;p19"/>
+          <p:cNvSpPr txBox="1"/>
+          <p:nvPr>
+            <p:ph type="title"/>
+          </p:nvPr>
+        </p:nvSpPr>
+        <p:spPr>
+          <a:xfrm>
+            <a:off x="311700" y="410000"/>
+            <a:ext cx="8520600" cy="607800"/>
+          </a:xfrm>
+          <a:prstGeom prst="rect">
+            <a:avLst/>
+          </a:prstGeom>
+        </p:spPr>
+        <p:txBody>
+          <a:bodyPr anchorCtr="0" anchor="t" bIns="91425" lIns="91425" spcFirstLastPara="1" rIns="91425" wrap="square" tIns="91425">
+            <a:noAutofit/>
+          </a:bodyPr>
+          <a:lstStyle/>
+          <a:p>
+            <a:pPr indent="0" lvl="0" marL="0" rtl="0" algn="l">
+              <a:spcBef>
+                <a:spcPts val="0"/>
+              </a:spcBef>
+              <a:spcAft>
+                <a:spcPts val="0"/>
+              </a:spcAft>
+              <a:buNone/>
+            </a:pPr>
+            <a:r>
+              <a:rPr lang="en"/>
+              <a:t>Limitations</a:t>
+            </a:r>
+            <a:endParaRPr/>
+          </a:p>
+        </p:txBody>
+      </p:sp>
+      <p:sp>
+        <p:nvSpPr>
+          <p:cNvPr id="129" name="Google Shape;129;p19"/>
+          <p:cNvSpPr txBox="1"/>
+          <p:nvPr>
+            <p:ph idx="1" type="body"/>
+          </p:nvPr>
+        </p:nvSpPr>
+        <p:spPr>
+          <a:xfrm>
+            <a:off x="311700" y="1229975"/>
+            <a:ext cx="8454300" cy="3339000"/>
+          </a:xfrm>
+          <a:prstGeom prst="rect">
+            <a:avLst/>
+          </a:prstGeom>
+        </p:spPr>
+        <p:txBody>
+          <a:bodyPr anchorCtr="0" anchor="t" bIns="91425" lIns="91425" spcFirstLastPara="1" rIns="91425" wrap="square" tIns="91425">
+            <a:noAutofit/>
+          </a:bodyPr>
+          <a:lstStyle/>
+          <a:p>
+            <a:pPr indent="-342900" lvl="0" marL="457200" rtl="0" algn="l">
+              <a:lnSpc>
+                <a:spcPct val="200000"/>
+              </a:lnSpc>
+              <a:spcBef>
+                <a:spcPts val="0"/>
+              </a:spcBef>
+              <a:spcAft>
+                <a:spcPts val="0"/>
+              </a:spcAft>
+              <a:buSzPts val="1800"/>
+              <a:buChar char="●"/>
+            </a:pPr>
+            <a:r>
+              <a:rPr lang="en" sz="1800"/>
+              <a:t>Depend on the ratings range (unless normalized) </a:t>
+            </a:r>
+            <a:endParaRPr sz="1800"/>
+          </a:p>
+          <a:p>
+            <a:pPr indent="-342900" lvl="0" marL="457200" rtl="0" algn="l">
+              <a:lnSpc>
+                <a:spcPct val="200000"/>
+              </a:lnSpc>
+              <a:spcBef>
+                <a:spcPts val="0"/>
+              </a:spcBef>
+              <a:spcAft>
+                <a:spcPts val="0"/>
+              </a:spcAft>
+              <a:buSzPts val="1800"/>
+              <a:buChar char="●"/>
+            </a:pPr>
+            <a:r>
+              <a:rPr lang="en" sz="1800"/>
+              <a:t>Depend on the recommender output’s range</a:t>
+            </a:r>
+            <a:endParaRPr sz="1800"/>
+          </a:p>
+          <a:p>
+            <a:pPr indent="-342900" lvl="0" marL="457200" rtl="0" algn="l">
+              <a:lnSpc>
+                <a:spcPct val="200000"/>
+              </a:lnSpc>
+              <a:spcBef>
+                <a:spcPts val="0"/>
+              </a:spcBef>
+              <a:spcAft>
+                <a:spcPts val="0"/>
+              </a:spcAft>
+              <a:buSzPts val="1800"/>
+              <a:buChar char="●"/>
+            </a:pPr>
+            <a:r>
+              <a:rPr lang="en" sz="1800"/>
+              <a:t>Not Valid for recommenders that produce a score(not rating)  </a:t>
+            </a:r>
+            <a:endParaRPr sz="1800"/>
+          </a:p>
+          <a:p>
+            <a:pPr indent="-342900" lvl="1" marL="914400" rtl="0" algn="l">
+              <a:lnSpc>
+                <a:spcPct val="200000"/>
+              </a:lnSpc>
+              <a:spcBef>
+                <a:spcPts val="0"/>
+              </a:spcBef>
+              <a:spcAft>
+                <a:spcPts val="0"/>
+              </a:spcAft>
+              <a:buSzPts val="1800"/>
+              <a:buChar char="○"/>
+            </a:pPr>
+            <a:r>
+              <a:rPr lang="en" sz="1800"/>
+              <a:t>probability , </a:t>
+            </a:r>
+            <a:endParaRPr sz="1800"/>
+          </a:p>
+          <a:p>
+            <a:pPr indent="-342900" lvl="1" marL="914400" rtl="0" algn="l">
+              <a:lnSpc>
+                <a:spcPct val="200000"/>
+              </a:lnSpc>
+              <a:spcBef>
+                <a:spcPts val="0"/>
+              </a:spcBef>
+              <a:spcAft>
+                <a:spcPts val="0"/>
+              </a:spcAft>
+              <a:buSzPts val="1800"/>
+              <a:buChar char="○"/>
+            </a:pPr>
+            <a:r>
+              <a:rPr lang="en" sz="1800"/>
+              <a:t>similarity..etc</a:t>
+            </a:r>
+            <a:endParaRPr sz="1800"/>
+          </a:p>
+          <a:p>
+            <a:pPr indent="0" lvl="0" marL="0" rtl="0" algn="l">
+              <a:spcBef>
+                <a:spcPts val="1600"/>
+              </a:spcBef>
+              <a:spcAft>
+                <a:spcPts val="1600"/>
+              </a:spcAft>
+              <a:buNone/>
+            </a:pPr>
+            <a:r>
+              <a:t/>
+            </a:r>
+            <a:endParaRPr sz="1800"/>
+          </a:p>
+        </p:txBody>
+      </p:sp>
+    </p:spTree>
+  </p:cSld>
+  <p:clrMapOvr>
+    <a:masterClrMapping/>
+  </p:clrMapOvr>
+</p:sld>
+</file>
+
+<file path=ppt/slides/slide8.xml><?xml version="1.0" encoding="utf-8"?>
+<p:sld xmlns:a="http://schemas.openxmlformats.org/drawingml/2006/main" xmlns:r="http://schemas.openxmlformats.org/officeDocument/2006/relationships" xmlns:mc="http://schemas.openxmlformats.org/markup-compatibility/2006" xmlns:mv="urn:schemas-microsoft-com:mac:vml" xmlns:p="http://schemas.openxmlformats.org/presentationml/2006/main" xmlns:c="http://schemas.openxmlformats.org/drawingml/2006/chart" xmlns:dgm="http://schemas.openxmlformats.org/drawingml/2006/diagram" xmlns:o="urn:schemas-microsoft-com:office:office" xmlns:v="urn:schemas-microsoft-com:vml" xmlns:pvml="urn:schemas-microsoft-com:office:powerpoint" xmlns:com="http://schemas.openxmlformats.org/drawingml/2006/compatibility" xmlns:p14="http://schemas.microsoft.com/office/powerpoint/2010/main" xmlns:p15="http://schemas.microsoft.com/office/powerpoint/2012/main">
+  <p:cSld>
+    <p:spTree>
+      <p:nvGrpSpPr>
+        <p:cNvPr id="133" name="Shape 133"/>
+        <p:cNvGrpSpPr/>
+        <p:nvPr/>
+      </p:nvGrpSpPr>
+      <p:grpSpPr>
+        <a:xfrm>
+          <a:off x="0" y="0"/>
+          <a:ext cx="0" cy="0"/>
+          <a:chOff x="0" y="0"/>
+          <a:chExt cx="0" cy="0"/>
+        </a:xfrm>
+      </p:grpSpPr>
+      <p:sp>
+        <p:nvSpPr>
+          <p:cNvPr id="134" name="Google Shape;134;p20"/>
           <p:cNvSpPr txBox="1"/>
           <p:nvPr>
             <p:ph type="title"/>
@@ -11907,6 +12128,285 @@
 </file>
 
 <file path=ppt/theme/theme1.xml><?xml version="1.0" encoding="utf-8"?>
+<a:theme xmlns:a="http://schemas.openxmlformats.org/drawingml/2006/main" xmlns:r="http://schemas.openxmlformats.org/officeDocument/2006/relationships" name="Geometric">
+  <a:themeElements>
+    <a:clrScheme name="Geometric">
+      <a:dk1>
+        <a:srgbClr val="2A3990"/>
+      </a:dk1>
+      <a:lt1>
+        <a:srgbClr val="FFFFFF"/>
+      </a:lt1>
+      <a:dk2>
+        <a:srgbClr val="434343"/>
+      </a:dk2>
+      <a:lt2>
+        <a:srgbClr val="999999"/>
+      </a:lt2>
+      <a:accent1>
+        <a:srgbClr val="212D74"/>
+      </a:accent1>
+      <a:accent2>
+        <a:srgbClr val="3949AB"/>
+      </a:accent2>
+      <a:accent3>
+        <a:srgbClr val="9C254D"/>
+      </a:accent3>
+      <a:accent4>
+        <a:srgbClr val="D23369"/>
+      </a:accent4>
+      <a:accent5>
+        <a:srgbClr val="F06292"/>
+      </a:accent5>
+      <a:accent6>
+        <a:srgbClr val="7890CD"/>
+      </a:accent6>
+      <a:hlink>
+        <a:srgbClr val="F06292"/>
+      </a:hlink>
+      <a:folHlink>
+        <a:srgbClr val="F06292"/>
+      </a:folHlink>
+    </a:clrScheme>
+    <a:fontScheme name="Office">
+      <a:majorFont>
+        <a:latin typeface="Arial"/>
+        <a:ea typeface=""/>
+        <a:cs typeface=""/>
+        <a:font script="Jpan" typeface="ＭＳ Ｐゴシック"/>
+        <a:font script="Hang" typeface="맑은 고딕"/>
+        <a:font script="Hans" typeface="宋体"/>
+        <a:font script="Hant" typeface="新細明體"/>
+        <a:font script="Arab" typeface="Times New Roman"/>
+        <a:font script="Hebr" typeface="Times New Roman"/>
+        <a:font script="Thai" typeface="Angsana New"/>
+        <a:font script="Ethi" typeface="Nyala"/>
+        <a:font script="Beng" typeface="Vrinda"/>
+        <a:font script="Gujr" typeface="Shruti"/>
+        <a:font script="Khmr" typeface="MoolBoran"/>
+        <a:font script="Knda" typeface="Tunga"/>
+        <a:font script="Guru" typeface="Raavi"/>
+        <a:font script="Cans" typeface="Euphemia"/>
+        <a:font script="Cher" typeface="Plantagenet Cherokee"/>
+        <a:font script="Yiii" typeface="Microsoft Yi Baiti"/>
+        <a:font script="Tibt" typeface="Microsoft Himalaya"/>
+        <a:font script="Thaa" typeface="MV Boli"/>
+        <a:font script="Deva" typeface="Mangal"/>
+        <a:font script="Telu" typeface="Gautami"/>
+        <a:font script="Taml" typeface="Latha"/>
+        <a:font script="Syrc" typeface="Estrangelo Edessa"/>
+        <a:font script="Orya" typeface="Kalinga"/>
+        <a:font script="Mlym" typeface="Kartika"/>
+        <a:font script="Laoo" typeface="DokChampa"/>
+        <a:font script="Sinh" typeface="Iskoola Pota"/>
+        <a:font script="Mong" typeface="Mongolian Baiti"/>
+        <a:font script="Viet" typeface="Times New Roman"/>
+        <a:font script="Uigh" typeface="Microsoft Uighur"/>
+        <a:font script="Geor" typeface="Sylfaen"/>
+      </a:majorFont>
+      <a:minorFont>
+        <a:latin typeface="Arial"/>
+        <a:ea typeface=""/>
+        <a:cs typeface=""/>
+        <a:font script="Jpan" typeface="ＭＳ Ｐゴシック"/>
+        <a:font script="Hang" typeface="맑은 고딕"/>
+        <a:font script="Hans" typeface="宋体"/>
+        <a:font script="Hant" typeface="新細明體"/>
+        <a:font script="Arab" typeface="Arial"/>
+        <a:font script="Hebr" typeface="Arial"/>
+        <a:font script="Thai" typeface="Cordia New"/>
+        <a:font script="Ethi" typeface="Nyala"/>
+        <a:font script="Beng" typeface="Vrinda"/>
+        <a:font script="Gujr" typeface="Shruti"/>
+        <a:font script="Khmr" typeface="DaunPenh"/>
+        <a:font script="Knda" typeface="Tunga"/>
+        <a:font script="Guru" typeface="Raavi"/>
+        <a:font script="Cans" typeface="Euphemia"/>
+        <a:font script="Cher" typeface="Plantagenet Cherokee"/>
+        <a:font script="Yiii" typeface="Microsoft Yi Baiti"/>
+        <a:font script="Tibt" typeface="Microsoft Himalaya"/>
+        <a:font script="Thaa" typeface="MV Boli"/>
+        <a:font script="Deva" typeface="Mangal"/>
+        <a:font script="Telu" typeface="Gautami"/>
+        <a:font script="Taml" typeface="Latha"/>
+        <a:font script="Syrc" typeface="Estrangelo Edessa"/>
+        <a:font script="Orya" typeface="Kalinga"/>
+        <a:font script="Mlym" typeface="Kartika"/>
+        <a:font script="Laoo" typeface="DokChampa"/>
+        <a:font script="Sinh" typeface="Iskoola Pota"/>
+        <a:font script="Mong" typeface="Mongolian Baiti"/>
+        <a:font script="Viet" typeface="Arial"/>
+        <a:font script="Uigh" typeface="Microsoft Uighur"/>
+        <a:font script="Geor" typeface="Sylfaen"/>
+      </a:minorFont>
+    </a:fontScheme>
+    <a:fmtScheme name="Office">
+      <a:fillStyleLst>
+        <a:solidFill>
+          <a:schemeClr val="phClr"/>
+        </a:solidFill>
+        <a:gradFill rotWithShape="1">
+          <a:gsLst>
+            <a:gs pos="0">
+              <a:schemeClr val="phClr">
+                <a:tint val="50000"/>
+                <a:satMod val="300000"/>
+              </a:schemeClr>
+            </a:gs>
+            <a:gs pos="35000">
+              <a:schemeClr val="phClr">
+                <a:tint val="37000"/>
+                <a:satMod val="300000"/>
+              </a:schemeClr>
+            </a:gs>
+            <a:gs pos="100000">
+              <a:schemeClr val="phClr">
+                <a:tint val="15000"/>
+                <a:satMod val="350000"/>
+              </a:schemeClr>
+            </a:gs>
+          </a:gsLst>
+          <a:lin ang="16200000" scaled="1"/>
+        </a:gradFill>
+        <a:gradFill rotWithShape="1">
+          <a:gsLst>
+            <a:gs pos="0">
+              <a:schemeClr val="phClr">
+                <a:tint val="100000"/>
+                <a:shade val="100000"/>
+                <a:satMod val="130000"/>
+              </a:schemeClr>
+            </a:gs>
+            <a:gs pos="100000">
+              <a:schemeClr val="phClr">
+                <a:tint val="50000"/>
+                <a:shade val="100000"/>
+                <a:satMod val="350000"/>
+              </a:schemeClr>
+            </a:gs>
+          </a:gsLst>
+          <a:lin ang="16200000" scaled="0"/>
+        </a:gradFill>
+      </a:fillStyleLst>
+      <a:lnStyleLst>
+        <a:ln w="9525" cap="flat" cmpd="sng" algn="ctr">
+          <a:solidFill>
+            <a:schemeClr val="phClr">
+              <a:shade val="95000"/>
+              <a:satMod val="105000"/>
+            </a:schemeClr>
+          </a:solidFill>
+          <a:prstDash val="solid"/>
+        </a:ln>
+        <a:ln w="25400" cap="flat" cmpd="sng" algn="ctr">
+          <a:solidFill>
+            <a:schemeClr val="phClr"/>
+          </a:solidFill>
+          <a:prstDash val="solid"/>
+        </a:ln>
+        <a:ln w="38100" cap="flat" cmpd="sng" algn="ctr">
+          <a:solidFill>
+            <a:schemeClr val="phClr"/>
+          </a:solidFill>
+          <a:prstDash val="solid"/>
+        </a:ln>
+      </a:lnStyleLst>
+      <a:effectStyleLst>
+        <a:effectStyle>
+          <a:effectLst>
+            <a:outerShdw blurRad="40000" dist="20000" dir="5400000" rotWithShape="0">
+              <a:srgbClr val="000000">
+                <a:alpha val="38000"/>
+              </a:srgbClr>
+            </a:outerShdw>
+          </a:effectLst>
+        </a:effectStyle>
+        <a:effectStyle>
+          <a:effectLst>
+            <a:outerShdw blurRad="40000" dist="23000" dir="5400000" rotWithShape="0">
+              <a:srgbClr val="000000">
+                <a:alpha val="35000"/>
+              </a:srgbClr>
+            </a:outerShdw>
+          </a:effectLst>
+        </a:effectStyle>
+        <a:effectStyle>
+          <a:effectLst>
+            <a:outerShdw blurRad="40000" dist="23000" dir="5400000" rotWithShape="0">
+              <a:srgbClr val="000000">
+                <a:alpha val="35000"/>
+              </a:srgbClr>
+            </a:outerShdw>
+          </a:effectLst>
+          <a:scene3d>
+            <a:camera prst="orthographicFront">
+              <a:rot lat="0" lon="0" rev="0"/>
+            </a:camera>
+            <a:lightRig rig="threePt" dir="t">
+              <a:rot lat="0" lon="0" rev="1200000"/>
+            </a:lightRig>
+          </a:scene3d>
+          <a:sp3d>
+            <a:bevelT w="63500" h="25400"/>
+          </a:sp3d>
+        </a:effectStyle>
+      </a:effectStyleLst>
+      <a:bgFillStyleLst>
+        <a:solidFill>
+          <a:schemeClr val="phClr"/>
+        </a:solidFill>
+        <a:gradFill rotWithShape="1">
+          <a:gsLst>
+            <a:gs pos="0">
+              <a:schemeClr val="phClr">
+                <a:tint val="40000"/>
+                <a:satMod val="350000"/>
+              </a:schemeClr>
+            </a:gs>
+            <a:gs pos="40000">
+              <a:schemeClr val="phClr">
+                <a:tint val="45000"/>
+                <a:shade val="99000"/>
+                <a:satMod val="350000"/>
+              </a:schemeClr>
+            </a:gs>
+            <a:gs pos="100000">
+              <a:schemeClr val="phClr">
+                <a:shade val="20000"/>
+                <a:satMod val="255000"/>
+              </a:schemeClr>
+            </a:gs>
+          </a:gsLst>
+          <a:path path="circle">
+            <a:fillToRect l="50000" t="-80000" r="50000" b="180000"/>
+          </a:path>
+        </a:gradFill>
+        <a:gradFill rotWithShape="1">
+          <a:gsLst>
+            <a:gs pos="0">
+              <a:schemeClr val="phClr">
+                <a:tint val="80000"/>
+                <a:satMod val="300000"/>
+              </a:schemeClr>
+            </a:gs>
+            <a:gs pos="100000">
+              <a:schemeClr val="phClr">
+                <a:shade val="30000"/>
+                <a:satMod val="200000"/>
+              </a:schemeClr>
+            </a:gs>
+          </a:gsLst>
+          <a:path path="circle">
+            <a:fillToRect l="50000" t="50000" r="50000" b="50000"/>
+          </a:path>
+        </a:gradFill>
+      </a:bgFillStyleLst>
+    </a:fmtScheme>
+  </a:themeElements>
+</a:theme>
+</file>
+
+<file path=ppt/theme/theme2.xml><?xml version="1.0" encoding="utf-8"?>
 <a:theme xmlns:a="http://schemas.openxmlformats.org/drawingml/2006/main" xmlns:r="http://schemas.openxmlformats.org/officeDocument/2006/relationships">
   <a:themeElements>
     <a:clrScheme name="Default">
@@ -12183,283 +12683,4 @@
     </a:fmtScheme>
   </a:themeElements>
 </a:theme>
-</file>
-
-<file path=ppt/theme/theme2.xml><?xml version="1.0" encoding="utf-8"?>
-<a:theme xmlns:a="http://schemas.openxmlformats.org/drawingml/2006/main" xmlns:r="http://schemas.openxmlformats.org/officeDocument/2006/relationships" name="Geometric">
-  <a:themeElements>
-    <a:clrScheme name="Geometric">
-      <a:dk1>
-        <a:srgbClr val="2A3990"/>
-      </a:dk1>
-      <a:lt1>
-        <a:srgbClr val="FFFFFF"/>
-      </a:lt1>
-      <a:dk2>
-        <a:srgbClr val="434343"/>
-      </a:dk2>
-      <a:lt2>
-        <a:srgbClr val="999999"/>
-      </a:lt2>
-      <a:accent1>
-        <a:srgbClr val="212D74"/>
-      </a:accent1>
-      <a:accent2>
-        <a:srgbClr val="3949AB"/>
-      </a:accent2>
-      <a:accent3>
-        <a:srgbClr val="9C254D"/>
-      </a:accent3>
-      <a:accent4>
-        <a:srgbClr val="D23369"/>
-      </a:accent4>
-      <a:accent5>
-        <a:srgbClr val="F06292"/>
-      </a:accent5>
-      <a:accent6>
-        <a:srgbClr val="7890CD"/>
-      </a:accent6>
-      <a:hlink>
-        <a:srgbClr val="F06292"/>
-      </a:hlink>
-      <a:folHlink>
-        <a:srgbClr val="F06292"/>
-      </a:folHlink>
-    </a:clrScheme>
-    <a:fontScheme name="Office">
-      <a:majorFont>
-        <a:latin typeface="Arial"/>
-        <a:ea typeface=""/>
-        <a:cs typeface=""/>
-        <a:font script="Jpan" typeface="ＭＳ Ｐゴシック"/>
-        <a:font script="Hang" typeface="맑은 고딕"/>
-        <a:font script="Hans" typeface="宋体"/>
-        <a:font script="Hant" typeface="新細明體"/>
-        <a:font script="Arab" typeface="Times New Roman"/>
-        <a:font script="Hebr" typeface="Times New Roman"/>
-        <a:font script="Thai" typeface="Angsana New"/>
-        <a:font script="Ethi" typeface="Nyala"/>
-        <a:font script="Beng" typeface="Vrinda"/>
-        <a:font script="Gujr" typeface="Shruti"/>
-        <a:font script="Khmr" typeface="MoolBoran"/>
-        <a:font script="Knda" typeface="Tunga"/>
-        <a:font script="Guru" typeface="Raavi"/>
-        <a:font script="Cans" typeface="Euphemia"/>
-        <a:font script="Cher" typeface="Plantagenet Cherokee"/>
-        <a:font script="Yiii" typeface="Microsoft Yi Baiti"/>
-        <a:font script="Tibt" typeface="Microsoft Himalaya"/>
-        <a:font script="Thaa" typeface="MV Boli"/>
-        <a:font script="Deva" typeface="Mangal"/>
-        <a:font script="Telu" typeface="Gautami"/>
-        <a:font script="Taml" typeface="Latha"/>
-        <a:font script="Syrc" typeface="Estrangelo Edessa"/>
-        <a:font script="Orya" typeface="Kalinga"/>
-        <a:font script="Mlym" typeface="Kartika"/>
-        <a:font script="Laoo" typeface="DokChampa"/>
-        <a:font script="Sinh" typeface="Iskoola Pota"/>
-        <a:font script="Mong" typeface="Mongolian Baiti"/>
-        <a:font script="Viet" typeface="Times New Roman"/>
-        <a:font script="Uigh" typeface="Microsoft Uighur"/>
-        <a:font script="Geor" typeface="Sylfaen"/>
-      </a:majorFont>
-      <a:minorFont>
-        <a:latin typeface="Arial"/>
-        <a:ea typeface=""/>
-        <a:cs typeface=""/>
-        <a:font script="Jpan" typeface="ＭＳ Ｐゴシック"/>
-        <a:font script="Hang" typeface="맑은 고딕"/>
-        <a:font script="Hans" typeface="宋体"/>
-        <a:font script="Hant" typeface="新細明體"/>
-        <a:font script="Arab" typeface="Arial"/>
-        <a:font script="Hebr" typeface="Arial"/>
-        <a:font script="Thai" typeface="Cordia New"/>
-        <a:font script="Ethi" typeface="Nyala"/>
-        <a:font script="Beng" typeface="Vrinda"/>
-        <a:font script="Gujr" typeface="Shruti"/>
-        <a:font script="Khmr" typeface="DaunPenh"/>
-        <a:font script="Knda" typeface="Tunga"/>
-        <a:font script="Guru" typeface="Raavi"/>
-        <a:font script="Cans" typeface="Euphemia"/>
-        <a:font script="Cher" typeface="Plantagenet Cherokee"/>
-        <a:font script="Yiii" typeface="Microsoft Yi Baiti"/>
-        <a:font script="Tibt" typeface="Microsoft Himalaya"/>
-        <a:font script="Thaa" typeface="MV Boli"/>
-        <a:font script="Deva" typeface="Mangal"/>
-        <a:font script="Telu" typeface="Gautami"/>
-        <a:font script="Taml" typeface="Latha"/>
-        <a:font script="Syrc" typeface="Estrangelo Edessa"/>
-        <a:font script="Orya" typeface="Kalinga"/>
-        <a:font script="Mlym" typeface="Kartika"/>
-        <a:font script="Laoo" typeface="DokChampa"/>
-        <a:font script="Sinh" typeface="Iskoola Pota"/>
-        <a:font script="Mong" typeface="Mongolian Baiti"/>
-        <a:font script="Viet" typeface="Arial"/>
-        <a:font script="Uigh" typeface="Microsoft Uighur"/>
-        <a:font script="Geor" typeface="Sylfaen"/>
-      </a:minorFont>
-    </a:fontScheme>
-    <a:fmtScheme name="Office">
-      <a:fillStyleLst>
-        <a:solidFill>
-          <a:schemeClr val="phClr"/>
-        </a:solidFill>
-        <a:gradFill rotWithShape="1">
-          <a:gsLst>
-            <a:gs pos="0">
-              <a:schemeClr val="phClr">
-                <a:tint val="50000"/>
-                <a:satMod val="300000"/>
-              </a:schemeClr>
-            </a:gs>
-            <a:gs pos="35000">
-              <a:schemeClr val="phClr">
-                <a:tint val="37000"/>
-                <a:satMod val="300000"/>
-              </a:schemeClr>
-            </a:gs>
-            <a:gs pos="100000">
-              <a:schemeClr val="phClr">
-                <a:tint val="15000"/>
-                <a:satMod val="350000"/>
-              </a:schemeClr>
-            </a:gs>
-          </a:gsLst>
-          <a:lin ang="16200000" scaled="1"/>
-        </a:gradFill>
-        <a:gradFill rotWithShape="1">
-          <a:gsLst>
-            <a:gs pos="0">
-              <a:schemeClr val="phClr">
-                <a:tint val="100000"/>
-                <a:shade val="100000"/>
-                <a:satMod val="130000"/>
-              </a:schemeClr>
-            </a:gs>
-            <a:gs pos="100000">
-              <a:schemeClr val="phClr">
-                <a:tint val="50000"/>
-                <a:shade val="100000"/>
-                <a:satMod val="350000"/>
-              </a:schemeClr>
-            </a:gs>
-          </a:gsLst>
-          <a:lin ang="16200000" scaled="0"/>
-        </a:gradFill>
-      </a:fillStyleLst>
-      <a:lnStyleLst>
-        <a:ln w="9525" cap="flat" cmpd="sng" algn="ctr">
-          <a:solidFill>
-            <a:schemeClr val="phClr">
-              <a:shade val="95000"/>
-              <a:satMod val="105000"/>
-            </a:schemeClr>
-          </a:solidFill>
-          <a:prstDash val="solid"/>
-        </a:ln>
-        <a:ln w="25400" cap="flat" cmpd="sng" algn="ctr">
-          <a:solidFill>
-            <a:schemeClr val="phClr"/>
-          </a:solidFill>
-          <a:prstDash val="solid"/>
-        </a:ln>
-        <a:ln w="38100" cap="flat" cmpd="sng" algn="ctr">
-          <a:solidFill>
-            <a:schemeClr val="phClr"/>
-          </a:solidFill>
-          <a:prstDash val="solid"/>
-        </a:ln>
-      </a:lnStyleLst>
-      <a:effectStyleLst>
-        <a:effectStyle>
-          <a:effectLst>
-            <a:outerShdw blurRad="40000" dist="20000" dir="5400000" rotWithShape="0">
-              <a:srgbClr val="000000">
-                <a:alpha val="38000"/>
-              </a:srgbClr>
-            </a:outerShdw>
-          </a:effectLst>
-        </a:effectStyle>
-        <a:effectStyle>
-          <a:effectLst>
-            <a:outerShdw blurRad="40000" dist="23000" dir="5400000" rotWithShape="0">
-              <a:srgbClr val="000000">
-                <a:alpha val="35000"/>
-              </a:srgbClr>
-            </a:outerShdw>
-          </a:effectLst>
-        </a:effectStyle>
-        <a:effectStyle>
-          <a:effectLst>
-            <a:outerShdw blurRad="40000" dist="23000" dir="5400000" rotWithShape="0">
-              <a:srgbClr val="000000">
-                <a:alpha val="35000"/>
-              </a:srgbClr>
-            </a:outerShdw>
-          </a:effectLst>
-          <a:scene3d>
-            <a:camera prst="orthographicFront">
-              <a:rot lat="0" lon="0" rev="0"/>
-            </a:camera>
-            <a:lightRig rig="threePt" dir="t">
-              <a:rot lat="0" lon="0" rev="1200000"/>
-            </a:lightRig>
-          </a:scene3d>
-          <a:sp3d>
-            <a:bevelT w="63500" h="25400"/>
-          </a:sp3d>
-        </a:effectStyle>
-      </a:effectStyleLst>
-      <a:bgFillStyleLst>
-        <a:solidFill>
-          <a:schemeClr val="phClr"/>
-        </a:solidFill>
-        <a:gradFill rotWithShape="1">
-          <a:gsLst>
-            <a:gs pos="0">
-              <a:schemeClr val="phClr">
-                <a:tint val="40000"/>
-                <a:satMod val="350000"/>
-              </a:schemeClr>
-            </a:gs>
-            <a:gs pos="40000">
-              <a:schemeClr val="phClr">
-                <a:tint val="45000"/>
-                <a:shade val="99000"/>
-                <a:satMod val="350000"/>
-              </a:schemeClr>
-            </a:gs>
-            <a:gs pos="100000">
-              <a:schemeClr val="phClr">
-                <a:shade val="20000"/>
-                <a:satMod val="255000"/>
-              </a:schemeClr>
-            </a:gs>
-          </a:gsLst>
-          <a:path path="circle">
-            <a:fillToRect l="50000" t="-80000" r="50000" b="180000"/>
-          </a:path>
-        </a:gradFill>
-        <a:gradFill rotWithShape="1">
-          <a:gsLst>
-            <a:gs pos="0">
-              <a:schemeClr val="phClr">
-                <a:tint val="80000"/>
-                <a:satMod val="300000"/>
-              </a:schemeClr>
-            </a:gs>
-            <a:gs pos="100000">
-              <a:schemeClr val="phClr">
-                <a:shade val="30000"/>
-                <a:satMod val="200000"/>
-              </a:schemeClr>
-            </a:gs>
-          </a:gsLst>
-          <a:path path="circle">
-            <a:fillToRect l="50000" t="50000" r="50000" b="50000"/>
-          </a:path>
-        </a:gradFill>
-      </a:bgFillStyleLst>
-    </a:fmtScheme>
-  </a:themeElements>
-</a:theme>
 </file>